--- a/docs/Arch.pptx
+++ b/docs/Arch.pptx
@@ -496,7 +496,7 @@
           <a:p>
             <a:fld id="{B3E19B58-7A25-42CD-994B-C82EEADC5E6C}" type="datetimeFigureOut">
               <a:rPr lang="en-US" smtClean="0"/>
-              <a:t>5/14/2022</a:t>
+              <a:t>5/15/2022</a:t>
             </a:fld>
             <a:endParaRPr lang="en-US"/>
           </a:p>
@@ -694,7 +694,7 @@
           <a:p>
             <a:fld id="{B3E19B58-7A25-42CD-994B-C82EEADC5E6C}" type="datetimeFigureOut">
               <a:rPr lang="en-US" smtClean="0"/>
-              <a:t>5/14/2022</a:t>
+              <a:t>5/15/2022</a:t>
             </a:fld>
             <a:endParaRPr lang="en-US"/>
           </a:p>
@@ -902,7 +902,7 @@
           <a:p>
             <a:fld id="{B3E19B58-7A25-42CD-994B-C82EEADC5E6C}" type="datetimeFigureOut">
               <a:rPr lang="en-US" smtClean="0"/>
-              <a:t>5/14/2022</a:t>
+              <a:t>5/15/2022</a:t>
             </a:fld>
             <a:endParaRPr lang="en-US"/>
           </a:p>
@@ -1100,7 +1100,7 @@
           <a:p>
             <a:fld id="{B3E19B58-7A25-42CD-994B-C82EEADC5E6C}" type="datetimeFigureOut">
               <a:rPr lang="en-US" smtClean="0"/>
-              <a:t>5/14/2022</a:t>
+              <a:t>5/15/2022</a:t>
             </a:fld>
             <a:endParaRPr lang="en-US"/>
           </a:p>
@@ -1375,7 +1375,7 @@
           <a:p>
             <a:fld id="{B3E19B58-7A25-42CD-994B-C82EEADC5E6C}" type="datetimeFigureOut">
               <a:rPr lang="en-US" smtClean="0"/>
-              <a:t>5/14/2022</a:t>
+              <a:t>5/15/2022</a:t>
             </a:fld>
             <a:endParaRPr lang="en-US"/>
           </a:p>
@@ -1640,7 +1640,7 @@
           <a:p>
             <a:fld id="{B3E19B58-7A25-42CD-994B-C82EEADC5E6C}" type="datetimeFigureOut">
               <a:rPr lang="en-US" smtClean="0"/>
-              <a:t>5/14/2022</a:t>
+              <a:t>5/15/2022</a:t>
             </a:fld>
             <a:endParaRPr lang="en-US"/>
           </a:p>
@@ -2052,7 +2052,7 @@
           <a:p>
             <a:fld id="{B3E19B58-7A25-42CD-994B-C82EEADC5E6C}" type="datetimeFigureOut">
               <a:rPr lang="en-US" smtClean="0"/>
-              <a:t>5/14/2022</a:t>
+              <a:t>5/15/2022</a:t>
             </a:fld>
             <a:endParaRPr lang="en-US"/>
           </a:p>
@@ -2193,7 +2193,7 @@
           <a:p>
             <a:fld id="{B3E19B58-7A25-42CD-994B-C82EEADC5E6C}" type="datetimeFigureOut">
               <a:rPr lang="en-US" smtClean="0"/>
-              <a:t>5/14/2022</a:t>
+              <a:t>5/15/2022</a:t>
             </a:fld>
             <a:endParaRPr lang="en-US"/>
           </a:p>
@@ -2306,7 +2306,7 @@
           <a:p>
             <a:fld id="{B3E19B58-7A25-42CD-994B-C82EEADC5E6C}" type="datetimeFigureOut">
               <a:rPr lang="en-US" smtClean="0"/>
-              <a:t>5/14/2022</a:t>
+              <a:t>5/15/2022</a:t>
             </a:fld>
             <a:endParaRPr lang="en-US"/>
           </a:p>
@@ -2617,7 +2617,7 @@
           <a:p>
             <a:fld id="{B3E19B58-7A25-42CD-994B-C82EEADC5E6C}" type="datetimeFigureOut">
               <a:rPr lang="en-US" smtClean="0"/>
-              <a:t>5/14/2022</a:t>
+              <a:t>5/15/2022</a:t>
             </a:fld>
             <a:endParaRPr lang="en-US"/>
           </a:p>
@@ -2905,7 +2905,7 @@
           <a:p>
             <a:fld id="{B3E19B58-7A25-42CD-994B-C82EEADC5E6C}" type="datetimeFigureOut">
               <a:rPr lang="en-US" smtClean="0"/>
-              <a:t>5/14/2022</a:t>
+              <a:t>5/15/2022</a:t>
             </a:fld>
             <a:endParaRPr lang="en-US"/>
           </a:p>
@@ -3146,7 +3146,7 @@
           <a:p>
             <a:fld id="{B3E19B58-7A25-42CD-994B-C82EEADC5E6C}" type="datetimeFigureOut">
               <a:rPr lang="en-US" smtClean="0"/>
-              <a:t>5/14/2022</a:t>
+              <a:t>5/15/2022</a:t>
             </a:fld>
             <a:endParaRPr lang="en-US"/>
           </a:p>
@@ -4409,7 +4409,7 @@
                   <a:schemeClr val="tx1"/>
                 </a:solidFill>
               </a:rPr>
-              <a:t>IMU</a:t>
+              <a:t>MPU</a:t>
             </a:r>
           </a:p>
         </p:txBody>

--- a/docs/Arch.pptx
+++ b/docs/Arch.pptx
@@ -5,7 +5,8 @@
     <p:sldMasterId id="2147483648" r:id="rId1"/>
   </p:sldMasterIdLst>
   <p:sldIdLst>
-    <p:sldId id="256" r:id="rId2"/>
+    <p:sldId id="257" r:id="rId2"/>
+    <p:sldId id="258" r:id="rId3"/>
   </p:sldIdLst>
   <p:sldSz cx="12192000" cy="6858000"/>
   <p:notesSz cx="6858000" cy="9144000"/>
@@ -496,7 +497,7 @@
           <a:p>
             <a:fld id="{B3E19B58-7A25-42CD-994B-C82EEADC5E6C}" type="datetimeFigureOut">
               <a:rPr lang="en-US" smtClean="0"/>
-              <a:t>5/15/2022</a:t>
+              <a:t>5/22/2022</a:t>
             </a:fld>
             <a:endParaRPr lang="en-US"/>
           </a:p>
@@ -694,7 +695,7 @@
           <a:p>
             <a:fld id="{B3E19B58-7A25-42CD-994B-C82EEADC5E6C}" type="datetimeFigureOut">
               <a:rPr lang="en-US" smtClean="0"/>
-              <a:t>5/15/2022</a:t>
+              <a:t>5/22/2022</a:t>
             </a:fld>
             <a:endParaRPr lang="en-US"/>
           </a:p>
@@ -902,7 +903,7 @@
           <a:p>
             <a:fld id="{B3E19B58-7A25-42CD-994B-C82EEADC5E6C}" type="datetimeFigureOut">
               <a:rPr lang="en-US" smtClean="0"/>
-              <a:t>5/15/2022</a:t>
+              <a:t>5/22/2022</a:t>
             </a:fld>
             <a:endParaRPr lang="en-US"/>
           </a:p>
@@ -1100,7 +1101,7 @@
           <a:p>
             <a:fld id="{B3E19B58-7A25-42CD-994B-C82EEADC5E6C}" type="datetimeFigureOut">
               <a:rPr lang="en-US" smtClean="0"/>
-              <a:t>5/15/2022</a:t>
+              <a:t>5/22/2022</a:t>
             </a:fld>
             <a:endParaRPr lang="en-US"/>
           </a:p>
@@ -1375,7 +1376,7 @@
           <a:p>
             <a:fld id="{B3E19B58-7A25-42CD-994B-C82EEADC5E6C}" type="datetimeFigureOut">
               <a:rPr lang="en-US" smtClean="0"/>
-              <a:t>5/15/2022</a:t>
+              <a:t>5/22/2022</a:t>
             </a:fld>
             <a:endParaRPr lang="en-US"/>
           </a:p>
@@ -1640,7 +1641,7 @@
           <a:p>
             <a:fld id="{B3E19B58-7A25-42CD-994B-C82EEADC5E6C}" type="datetimeFigureOut">
               <a:rPr lang="en-US" smtClean="0"/>
-              <a:t>5/15/2022</a:t>
+              <a:t>5/22/2022</a:t>
             </a:fld>
             <a:endParaRPr lang="en-US"/>
           </a:p>
@@ -2052,7 +2053,7 @@
           <a:p>
             <a:fld id="{B3E19B58-7A25-42CD-994B-C82EEADC5E6C}" type="datetimeFigureOut">
               <a:rPr lang="en-US" smtClean="0"/>
-              <a:t>5/15/2022</a:t>
+              <a:t>5/22/2022</a:t>
             </a:fld>
             <a:endParaRPr lang="en-US"/>
           </a:p>
@@ -2193,7 +2194,7 @@
           <a:p>
             <a:fld id="{B3E19B58-7A25-42CD-994B-C82EEADC5E6C}" type="datetimeFigureOut">
               <a:rPr lang="en-US" smtClean="0"/>
-              <a:t>5/15/2022</a:t>
+              <a:t>5/22/2022</a:t>
             </a:fld>
             <a:endParaRPr lang="en-US"/>
           </a:p>
@@ -2306,7 +2307,7 @@
           <a:p>
             <a:fld id="{B3E19B58-7A25-42CD-994B-C82EEADC5E6C}" type="datetimeFigureOut">
               <a:rPr lang="en-US" smtClean="0"/>
-              <a:t>5/15/2022</a:t>
+              <a:t>5/22/2022</a:t>
             </a:fld>
             <a:endParaRPr lang="en-US"/>
           </a:p>
@@ -2617,7 +2618,7 @@
           <a:p>
             <a:fld id="{B3E19B58-7A25-42CD-994B-C82EEADC5E6C}" type="datetimeFigureOut">
               <a:rPr lang="en-US" smtClean="0"/>
-              <a:t>5/15/2022</a:t>
+              <a:t>5/22/2022</a:t>
             </a:fld>
             <a:endParaRPr lang="en-US"/>
           </a:p>
@@ -2905,7 +2906,7 @@
           <a:p>
             <a:fld id="{B3E19B58-7A25-42CD-994B-C82EEADC5E6C}" type="datetimeFigureOut">
               <a:rPr lang="en-US" smtClean="0"/>
-              <a:t>5/15/2022</a:t>
+              <a:t>5/22/2022</a:t>
             </a:fld>
             <a:endParaRPr lang="en-US"/>
           </a:p>
@@ -3146,7 +3147,7 @@
           <a:p>
             <a:fld id="{B3E19B58-7A25-42CD-994B-C82EEADC5E6C}" type="datetimeFigureOut">
               <a:rPr lang="en-US" smtClean="0"/>
-              <a:t>5/15/2022</a:t>
+              <a:t>5/22/2022</a:t>
             </a:fld>
             <a:endParaRPr lang="en-US"/>
           </a:p>
@@ -3605,7 +3606,7 @@
         </p:nvSpPr>
         <p:spPr>
           <a:xfrm>
-            <a:off x="2002654" y="5101114"/>
+            <a:off x="2002654" y="5305298"/>
             <a:ext cx="6494608" cy="914400"/>
           </a:xfrm>
           <a:prstGeom prst="rect">
@@ -3658,7 +3659,7 @@
         </p:nvSpPr>
         <p:spPr>
           <a:xfrm>
-            <a:off x="2002655" y="4088506"/>
+            <a:off x="2002655" y="4292690"/>
             <a:ext cx="6492240" cy="914400"/>
           </a:xfrm>
           <a:prstGeom prst="rect">
@@ -3711,7 +3712,7 @@
         </p:nvSpPr>
         <p:spPr>
           <a:xfrm>
-            <a:off x="8556317" y="4364424"/>
+            <a:off x="8556317" y="4568608"/>
             <a:ext cx="2352675" cy="369332"/>
           </a:xfrm>
           <a:prstGeom prst="rect">
@@ -3746,8 +3747,8 @@
         </p:nvSpPr>
         <p:spPr>
           <a:xfrm>
-            <a:off x="2002655" y="3084383"/>
-            <a:ext cx="6492240" cy="914400"/>
+            <a:off x="2002655" y="2755910"/>
+            <a:ext cx="6492240" cy="1442648"/>
           </a:xfrm>
           <a:prstGeom prst="rect">
             <a:avLst/>
@@ -3796,7 +3797,7 @@
         </p:nvSpPr>
         <p:spPr>
           <a:xfrm>
-            <a:off x="8556316" y="3355200"/>
+            <a:off x="8556316" y="3026727"/>
             <a:ext cx="2352675" cy="369332"/>
           </a:xfrm>
           <a:prstGeom prst="rect">
@@ -3831,7 +3832,7 @@
         </p:nvSpPr>
         <p:spPr>
           <a:xfrm>
-            <a:off x="2002654" y="3128304"/>
+            <a:off x="2002654" y="2799831"/>
             <a:ext cx="6492240" cy="369332"/>
           </a:xfrm>
           <a:prstGeom prst="rect">
@@ -3869,7 +3870,7 @@
                   <a:schemeClr val="bg1"/>
                 </a:solidFill>
               </a:rPr>
-              <a:t>UAVware – Unmanned Vehicle Services</a:t>
+              <a:t>UAVWare – Unmanned Vehicle Services</a:t>
             </a:r>
           </a:p>
         </p:txBody>
@@ -3888,7 +3889,7 @@
         </p:nvSpPr>
         <p:spPr>
           <a:xfrm>
-            <a:off x="4224037" y="3539866"/>
+            <a:off x="4224037" y="3211393"/>
             <a:ext cx="1005840" cy="369332"/>
           </a:xfrm>
           <a:prstGeom prst="rect">
@@ -3949,7 +3950,7 @@
         </p:nvSpPr>
         <p:spPr>
           <a:xfrm>
-            <a:off x="5289914" y="3539866"/>
+            <a:off x="5289914" y="3211393"/>
             <a:ext cx="1005840" cy="369332"/>
           </a:xfrm>
           <a:prstGeom prst="rect">
@@ -4010,7 +4011,7 @@
         </p:nvSpPr>
         <p:spPr>
           <a:xfrm>
-            <a:off x="6355791" y="3539866"/>
+            <a:off x="6355791" y="3211393"/>
             <a:ext cx="1005840" cy="369332"/>
           </a:xfrm>
           <a:prstGeom prst="rect">
@@ -4071,7 +4072,7 @@
         </p:nvSpPr>
         <p:spPr>
           <a:xfrm>
-            <a:off x="7421669" y="3539866"/>
+            <a:off x="7421669" y="3211393"/>
             <a:ext cx="1005840" cy="369332"/>
           </a:xfrm>
           <a:prstGeom prst="rect">
@@ -4132,7 +4133,7 @@
         </p:nvSpPr>
         <p:spPr>
           <a:xfrm>
-            <a:off x="8556316" y="5373648"/>
+            <a:off x="8556316" y="5577832"/>
             <a:ext cx="2352675" cy="369332"/>
           </a:xfrm>
           <a:prstGeom prst="rect">
@@ -4167,7 +4168,7 @@
         </p:nvSpPr>
         <p:spPr>
           <a:xfrm>
-            <a:off x="2005158" y="2073516"/>
+            <a:off x="2005158" y="1745043"/>
             <a:ext cx="3200400" cy="914400"/>
           </a:xfrm>
           <a:prstGeom prst="rect">
@@ -4219,7 +4220,7 @@
         </p:nvSpPr>
         <p:spPr>
           <a:xfrm>
-            <a:off x="5296998" y="2073516"/>
+            <a:off x="5296998" y="1745043"/>
             <a:ext cx="3200400" cy="914400"/>
           </a:xfrm>
           <a:prstGeom prst="rect">
@@ -4271,7 +4272,7 @@
         </p:nvSpPr>
         <p:spPr>
           <a:xfrm>
-            <a:off x="8556316" y="2420805"/>
+            <a:off x="8556316" y="2092332"/>
             <a:ext cx="2352675" cy="369332"/>
           </a:xfrm>
           <a:prstGeom prst="rect">
@@ -4306,7 +4307,7 @@
         </p:nvSpPr>
         <p:spPr>
           <a:xfrm>
-            <a:off x="2092281" y="3539866"/>
+            <a:off x="2092281" y="3211393"/>
             <a:ext cx="1005840" cy="369332"/>
           </a:xfrm>
           <a:prstGeom prst="rect">
@@ -4367,7 +4368,7 @@
         </p:nvSpPr>
         <p:spPr>
           <a:xfrm>
-            <a:off x="3158159" y="3539866"/>
+            <a:off x="3158159" y="3211393"/>
             <a:ext cx="1005840" cy="369332"/>
           </a:xfrm>
           <a:prstGeom prst="rect">
@@ -4428,7 +4429,7 @@
         </p:nvSpPr>
         <p:spPr>
           <a:xfrm>
-            <a:off x="2002655" y="2073368"/>
+            <a:off x="2002655" y="1744895"/>
             <a:ext cx="3197325" cy="457683"/>
           </a:xfrm>
           <a:prstGeom prst="rect">
@@ -4485,7 +4486,7 @@
         </p:nvSpPr>
         <p:spPr>
           <a:xfrm>
-            <a:off x="5302576" y="2073368"/>
+            <a:off x="5302576" y="1744895"/>
             <a:ext cx="3197325" cy="457200"/>
           </a:xfrm>
           <a:prstGeom prst="rect">
@@ -4542,7 +4543,7 @@
         </p:nvSpPr>
         <p:spPr>
           <a:xfrm>
-            <a:off x="2061450" y="2520265"/>
+            <a:off x="2061450" y="2191792"/>
             <a:ext cx="1005840" cy="369332"/>
           </a:xfrm>
           <a:prstGeom prst="rect">
@@ -4603,7 +4604,7 @@
         </p:nvSpPr>
         <p:spPr>
           <a:xfrm>
-            <a:off x="4147151" y="2520265"/>
+            <a:off x="4147151" y="2191792"/>
             <a:ext cx="1005840" cy="369332"/>
           </a:xfrm>
           <a:prstGeom prst="rect">
@@ -4664,7 +4665,7 @@
         </p:nvSpPr>
         <p:spPr>
           <a:xfrm>
-            <a:off x="3104300" y="2520265"/>
+            <a:off x="3104300" y="2191792"/>
             <a:ext cx="1005840" cy="369332"/>
           </a:xfrm>
           <a:prstGeom prst="rect">
@@ -4725,7 +4726,7 @@
         </p:nvSpPr>
         <p:spPr>
           <a:xfrm>
-            <a:off x="5346254" y="2520265"/>
+            <a:off x="5346254" y="2191792"/>
             <a:ext cx="1005840" cy="369332"/>
           </a:xfrm>
           <a:prstGeom prst="rect">
@@ -4786,7 +4787,7 @@
         </p:nvSpPr>
         <p:spPr>
           <a:xfrm>
-            <a:off x="7431955" y="2520265"/>
+            <a:off x="7431955" y="2191792"/>
             <a:ext cx="1005840" cy="369332"/>
           </a:xfrm>
           <a:prstGeom prst="rect">
@@ -4847,7 +4848,7 @@
         </p:nvSpPr>
         <p:spPr>
           <a:xfrm>
-            <a:off x="6389104" y="2520265"/>
+            <a:off x="6389104" y="2191792"/>
             <a:ext cx="1005840" cy="369332"/>
           </a:xfrm>
           <a:prstGeom prst="rect">
@@ -4894,10 +4895,1044 @@
           </a:p>
         </p:txBody>
       </p:sp>
+      <p:sp>
+        <p:nvSpPr>
+          <p:cNvPr id="27" name="TextBox 26">
+            <a:extLst>
+              <a:ext uri="{FF2B5EF4-FFF2-40B4-BE49-F238E27FC236}">
+                <a16:creationId xmlns:a16="http://schemas.microsoft.com/office/drawing/2014/main" id="{026B4E80-A23A-BB8A-391B-5FD82D68AB17}"/>
+              </a:ext>
+            </a:extLst>
+          </p:cNvPr>
+          <p:cNvSpPr txBox="1"/>
+          <p:nvPr/>
+        </p:nvSpPr>
+        <p:spPr>
+          <a:xfrm>
+            <a:off x="5290837" y="3674515"/>
+            <a:ext cx="1005840" cy="369332"/>
+          </a:xfrm>
+          <a:prstGeom prst="rect">
+            <a:avLst/>
+          </a:prstGeom>
+          <a:solidFill>
+            <a:schemeClr val="accent6">
+              <a:lumMod val="20000"/>
+              <a:lumOff val="80000"/>
+            </a:schemeClr>
+          </a:solidFill>
+        </p:spPr>
+        <p:style>
+          <a:lnRef idx="2">
+            <a:schemeClr val="accent6">
+              <a:shade val="50000"/>
+            </a:schemeClr>
+          </a:lnRef>
+          <a:fillRef idx="1">
+            <a:schemeClr val="accent6"/>
+          </a:fillRef>
+          <a:effectRef idx="0">
+            <a:schemeClr val="accent6"/>
+          </a:effectRef>
+          <a:fontRef idx="minor">
+            <a:schemeClr val="lt1"/>
+          </a:fontRef>
+        </p:style>
+        <p:txBody>
+          <a:bodyPr wrap="square" rtlCol="0">
+            <a:spAutoFit/>
+          </a:bodyPr>
+          <a:lstStyle/>
+          <a:p>
+            <a:pPr algn="ctr"/>
+            <a:r>
+              <a:rPr lang="en-US" dirty="0">
+                <a:solidFill>
+                  <a:schemeClr val="tx1"/>
+                </a:solidFill>
+              </a:rPr>
+              <a:t>dShot</a:t>
+            </a:r>
+          </a:p>
+        </p:txBody>
+      </p:sp>
+      <p:sp>
+        <p:nvSpPr>
+          <p:cNvPr id="36" name="TextBox 35">
+            <a:extLst>
+              <a:ext uri="{FF2B5EF4-FFF2-40B4-BE49-F238E27FC236}">
+                <a16:creationId xmlns:a16="http://schemas.microsoft.com/office/drawing/2014/main" id="{2F79265D-4083-FC47-2478-AB31C7F1D6A4}"/>
+              </a:ext>
+            </a:extLst>
+          </p:cNvPr>
+          <p:cNvSpPr txBox="1"/>
+          <p:nvPr/>
+        </p:nvSpPr>
+        <p:spPr>
+          <a:xfrm>
+            <a:off x="4224959" y="3674515"/>
+            <a:ext cx="1005840" cy="369332"/>
+          </a:xfrm>
+          <a:prstGeom prst="rect">
+            <a:avLst/>
+          </a:prstGeom>
+          <a:solidFill>
+            <a:schemeClr val="accent6">
+              <a:lumMod val="20000"/>
+              <a:lumOff val="80000"/>
+            </a:schemeClr>
+          </a:solidFill>
+        </p:spPr>
+        <p:style>
+          <a:lnRef idx="2">
+            <a:schemeClr val="accent6">
+              <a:shade val="50000"/>
+            </a:schemeClr>
+          </a:lnRef>
+          <a:fillRef idx="1">
+            <a:schemeClr val="accent6"/>
+          </a:fillRef>
+          <a:effectRef idx="0">
+            <a:schemeClr val="accent6"/>
+          </a:effectRef>
+          <a:fontRef idx="minor">
+            <a:schemeClr val="lt1"/>
+          </a:fontRef>
+        </p:style>
+        <p:txBody>
+          <a:bodyPr wrap="square" rtlCol="0">
+            <a:spAutoFit/>
+          </a:bodyPr>
+          <a:lstStyle/>
+          <a:p>
+            <a:pPr algn="ctr"/>
+            <a:r>
+              <a:rPr lang="en-US" dirty="0">
+                <a:solidFill>
+                  <a:schemeClr val="tx1"/>
+                </a:solidFill>
+              </a:rPr>
+              <a:t>Servo</a:t>
+            </a:r>
+          </a:p>
+        </p:txBody>
+      </p:sp>
     </p:spTree>
     <p:extLst>
       <p:ext uri="{BB962C8B-B14F-4D97-AF65-F5344CB8AC3E}">
-        <p14:creationId xmlns:p14="http://schemas.microsoft.com/office/powerpoint/2010/main" val="1272163443"/>
+        <p14:creationId xmlns:p14="http://schemas.microsoft.com/office/powerpoint/2010/main" val="308794829"/>
+      </p:ext>
+    </p:extLst>
+  </p:cSld>
+  <p:clrMapOvr>
+    <a:masterClrMapping/>
+  </p:clrMapOvr>
+</p:sld>
+</file>
+
+<file path=ppt/slides/slide2.xml><?xml version="1.0" encoding="utf-8"?>
+<p:sld xmlns:a="http://schemas.openxmlformats.org/drawingml/2006/main" xmlns:r="http://schemas.openxmlformats.org/officeDocument/2006/relationships" xmlns:p="http://schemas.openxmlformats.org/presentationml/2006/main">
+  <p:cSld>
+    <p:spTree>
+      <p:nvGrpSpPr>
+        <p:cNvPr id="1" name=""/>
+        <p:cNvGrpSpPr/>
+        <p:nvPr/>
+      </p:nvGrpSpPr>
+      <p:grpSpPr>
+        <a:xfrm>
+          <a:off x="0" y="0"/>
+          <a:ext cx="0" cy="0"/>
+          <a:chOff x="0" y="0"/>
+          <a:chExt cx="0" cy="0"/>
+        </a:xfrm>
+      </p:grpSpPr>
+      <p:grpSp>
+        <p:nvGrpSpPr>
+          <p:cNvPr id="1029" name="Group 1028">
+            <a:extLst>
+              <a:ext uri="{FF2B5EF4-FFF2-40B4-BE49-F238E27FC236}">
+                <a16:creationId xmlns:a16="http://schemas.microsoft.com/office/drawing/2014/main" id="{8B7F46A6-0FBB-BF46-A4BF-A3C84FB75102}"/>
+              </a:ext>
+            </a:extLst>
+          </p:cNvPr>
+          <p:cNvGrpSpPr/>
+          <p:nvPr/>
+        </p:nvGrpSpPr>
+        <p:grpSpPr>
+          <a:xfrm>
+            <a:off x="7300405" y="478416"/>
+            <a:ext cx="2543175" cy="1638300"/>
+            <a:chOff x="7300405" y="478416"/>
+            <a:chExt cx="2543175" cy="1638300"/>
+          </a:xfrm>
+        </p:grpSpPr>
+        <p:pic>
+          <p:nvPicPr>
+            <p:cNvPr id="3" name="Picture 2">
+              <a:extLst>
+                <a:ext uri="{FF2B5EF4-FFF2-40B4-BE49-F238E27FC236}">
+                  <a16:creationId xmlns:a16="http://schemas.microsoft.com/office/drawing/2014/main" id="{9369B05B-FA5B-8119-93F1-5124F34BA577}"/>
+                </a:ext>
+              </a:extLst>
+            </p:cNvPr>
+            <p:cNvPicPr>
+              <a:picLocks noChangeAspect="1"/>
+            </p:cNvPicPr>
+            <p:nvPr/>
+          </p:nvPicPr>
+          <p:blipFill>
+            <a:blip r:embed="rId2"/>
+            <a:stretch>
+              <a:fillRect/>
+            </a:stretch>
+          </p:blipFill>
+          <p:spPr>
+            <a:xfrm>
+              <a:off x="7300405" y="478416"/>
+              <a:ext cx="2543175" cy="1638300"/>
+            </a:xfrm>
+            <a:prstGeom prst="rect">
+              <a:avLst/>
+            </a:prstGeom>
+          </p:spPr>
+        </p:pic>
+        <p:pic>
+          <p:nvPicPr>
+            <p:cNvPr id="69" name="Picture 68">
+              <a:extLst>
+                <a:ext uri="{FF2B5EF4-FFF2-40B4-BE49-F238E27FC236}">
+                  <a16:creationId xmlns:a16="http://schemas.microsoft.com/office/drawing/2014/main" id="{C503776E-26A3-6477-5EFD-ABD6AFECCA70}"/>
+                </a:ext>
+              </a:extLst>
+            </p:cNvPr>
+            <p:cNvPicPr>
+              <a:picLocks noChangeAspect="1"/>
+            </p:cNvPicPr>
+            <p:nvPr/>
+          </p:nvPicPr>
+          <p:blipFill rotWithShape="1">
+            <a:blip r:embed="rId3"/>
+            <a:srcRect t="2110" b="-1"/>
+            <a:stretch/>
+          </p:blipFill>
+          <p:spPr>
+            <a:xfrm>
+              <a:off x="7655800" y="543791"/>
+              <a:ext cx="1838028" cy="1260764"/>
+            </a:xfrm>
+            <a:prstGeom prst="rect">
+              <a:avLst/>
+            </a:prstGeom>
+          </p:spPr>
+        </p:pic>
+      </p:grpSp>
+      <p:sp>
+        <p:nvSpPr>
+          <p:cNvPr id="4" name="Title 3">
+            <a:extLst>
+              <a:ext uri="{FF2B5EF4-FFF2-40B4-BE49-F238E27FC236}">
+                <a16:creationId xmlns:a16="http://schemas.microsoft.com/office/drawing/2014/main" id="{E16616E7-B1FE-B94C-3335-35706ED8799D}"/>
+              </a:ext>
+            </a:extLst>
+          </p:cNvPr>
+          <p:cNvSpPr>
+            <a:spLocks noGrp="1"/>
+          </p:cNvSpPr>
+          <p:nvPr>
+            <p:ph type="title"/>
+          </p:nvPr>
+        </p:nvSpPr>
+        <p:spPr>
+          <a:xfrm>
+            <a:off x="564471" y="764166"/>
+            <a:ext cx="4699987" cy="1325563"/>
+          </a:xfrm>
+        </p:spPr>
+        <p:txBody>
+          <a:bodyPr>
+            <a:normAutofit fontScale="90000"/>
+          </a:bodyPr>
+          <a:lstStyle/>
+          <a:p>
+            <a:pPr algn="ctr"/>
+            <a:r>
+              <a:rPr lang="en-US" dirty="0"/>
+              <a:t>UAVWare with MAVLink Telemetry Based Interface</a:t>
+            </a:r>
+          </a:p>
+        </p:txBody>
+      </p:sp>
+      <p:sp>
+        <p:nvSpPr>
+          <p:cNvPr id="9" name="TextBox 8">
+            <a:extLst>
+              <a:ext uri="{FF2B5EF4-FFF2-40B4-BE49-F238E27FC236}">
+                <a16:creationId xmlns:a16="http://schemas.microsoft.com/office/drawing/2014/main" id="{DF5B0146-23C2-57B0-8F33-ADC9292A138F}"/>
+              </a:ext>
+            </a:extLst>
+          </p:cNvPr>
+          <p:cNvSpPr txBox="1"/>
+          <p:nvPr/>
+        </p:nvSpPr>
+        <p:spPr>
+          <a:xfrm>
+            <a:off x="564472" y="2603127"/>
+            <a:ext cx="4407023" cy="2535181"/>
+          </a:xfrm>
+          <a:prstGeom prst="rect">
+            <a:avLst/>
+          </a:prstGeom>
+        </p:spPr>
+        <p:style>
+          <a:lnRef idx="1">
+            <a:schemeClr val="accent6"/>
+          </a:lnRef>
+          <a:fillRef idx="3">
+            <a:schemeClr val="accent6"/>
+          </a:fillRef>
+          <a:effectRef idx="2">
+            <a:schemeClr val="accent6"/>
+          </a:effectRef>
+          <a:fontRef idx="minor">
+            <a:schemeClr val="lt1"/>
+          </a:fontRef>
+        </p:style>
+        <p:txBody>
+          <a:bodyPr wrap="square" rtlCol="0" anchor="ctr" anchorCtr="0">
+            <a:noAutofit/>
+          </a:bodyPr>
+          <a:lstStyle/>
+          <a:p>
+            <a:pPr algn="ctr"/>
+            <a:endParaRPr lang="en-US" dirty="0">
+              <a:solidFill>
+                <a:schemeClr val="bg1"/>
+              </a:solidFill>
+            </a:endParaRPr>
+          </a:p>
+        </p:txBody>
+      </p:sp>
+      <p:sp>
+        <p:nvSpPr>
+          <p:cNvPr id="11" name="TextBox 10">
+            <a:extLst>
+              <a:ext uri="{FF2B5EF4-FFF2-40B4-BE49-F238E27FC236}">
+                <a16:creationId xmlns:a16="http://schemas.microsoft.com/office/drawing/2014/main" id="{E691E65D-AC0B-740F-049D-5EF13E69F456}"/>
+              </a:ext>
+            </a:extLst>
+          </p:cNvPr>
+          <p:cNvSpPr txBox="1"/>
+          <p:nvPr/>
+        </p:nvSpPr>
+        <p:spPr>
+          <a:xfrm>
+            <a:off x="561918" y="2603126"/>
+            <a:ext cx="4409577" cy="2535181"/>
+          </a:xfrm>
+          <a:prstGeom prst="rect">
+            <a:avLst/>
+          </a:prstGeom>
+          <a:noFill/>
+          <a:ln>
+            <a:noFill/>
+          </a:ln>
+        </p:spPr>
+        <p:style>
+          <a:lnRef idx="3">
+            <a:schemeClr val="lt1"/>
+          </a:lnRef>
+          <a:fillRef idx="1">
+            <a:schemeClr val="accent6"/>
+          </a:fillRef>
+          <a:effectRef idx="1">
+            <a:schemeClr val="accent6"/>
+          </a:effectRef>
+          <a:fontRef idx="minor">
+            <a:schemeClr val="lt1"/>
+          </a:fontRef>
+        </p:style>
+        <p:txBody>
+          <a:bodyPr wrap="square" rtlCol="0" anchor="ctr" anchorCtr="0">
+            <a:noAutofit/>
+          </a:bodyPr>
+          <a:lstStyle/>
+          <a:p>
+            <a:pPr algn="ctr"/>
+            <a:endParaRPr lang="en-US" dirty="0">
+              <a:solidFill>
+                <a:schemeClr val="bg1"/>
+              </a:solidFill>
+            </a:endParaRPr>
+          </a:p>
+        </p:txBody>
+      </p:sp>
+      <p:pic>
+        <p:nvPicPr>
+          <p:cNvPr id="8" name="Picture 7">
+            <a:extLst>
+              <a:ext uri="{FF2B5EF4-FFF2-40B4-BE49-F238E27FC236}">
+                <a16:creationId xmlns:a16="http://schemas.microsoft.com/office/drawing/2014/main" id="{9AF4A98C-2E9E-AED1-F04E-26E8C2C4942F}"/>
+              </a:ext>
+            </a:extLst>
+          </p:cNvPr>
+          <p:cNvPicPr>
+            <a:picLocks noChangeAspect="1"/>
+          </p:cNvPicPr>
+          <p:nvPr/>
+        </p:nvPicPr>
+        <p:blipFill>
+          <a:blip r:embed="rId4"/>
+          <a:stretch>
+            <a:fillRect/>
+          </a:stretch>
+        </p:blipFill>
+        <p:spPr>
+          <a:xfrm>
+            <a:off x="7514718" y="4472743"/>
+            <a:ext cx="2114550" cy="2162175"/>
+          </a:xfrm>
+          <a:prstGeom prst="rect">
+            <a:avLst/>
+          </a:prstGeom>
+        </p:spPr>
+      </p:pic>
+      <p:pic>
+        <p:nvPicPr>
+          <p:cNvPr id="35" name="Picture 34">
+            <a:extLst>
+              <a:ext uri="{FF2B5EF4-FFF2-40B4-BE49-F238E27FC236}">
+                <a16:creationId xmlns:a16="http://schemas.microsoft.com/office/drawing/2014/main" id="{08FB651E-E65F-69F1-C1E5-729F0FD4482C}"/>
+              </a:ext>
+            </a:extLst>
+          </p:cNvPr>
+          <p:cNvPicPr>
+            <a:picLocks noChangeAspect="1"/>
+          </p:cNvPicPr>
+          <p:nvPr/>
+        </p:nvPicPr>
+        <p:blipFill>
+          <a:blip r:embed="rId5"/>
+          <a:stretch>
+            <a:fillRect/>
+          </a:stretch>
+        </p:blipFill>
+        <p:spPr>
+          <a:xfrm>
+            <a:off x="10210800" y="2895600"/>
+            <a:ext cx="1143000" cy="1066800"/>
+          </a:xfrm>
+          <a:prstGeom prst="rect">
+            <a:avLst/>
+          </a:prstGeom>
+        </p:spPr>
+      </p:pic>
+      <p:cxnSp>
+        <p:nvCxnSpPr>
+          <p:cNvPr id="40" name="Connector: Elbow 39">
+            <a:extLst>
+              <a:ext uri="{FF2B5EF4-FFF2-40B4-BE49-F238E27FC236}">
+                <a16:creationId xmlns:a16="http://schemas.microsoft.com/office/drawing/2014/main" id="{C197C5A6-9A97-0EB9-656B-49CBB58A713A}"/>
+              </a:ext>
+            </a:extLst>
+          </p:cNvPr>
+          <p:cNvCxnSpPr>
+            <a:cxnSpLocks/>
+          </p:cNvCxnSpPr>
+          <p:nvPr/>
+        </p:nvCxnSpPr>
+        <p:spPr>
+          <a:xfrm flipV="1">
+            <a:off x="5133565" y="1297566"/>
+            <a:ext cx="2328911" cy="2573151"/>
+          </a:xfrm>
+          <a:prstGeom prst="bentConnector3">
+            <a:avLst>
+              <a:gd name="adj1" fmla="val 47581"/>
+            </a:avLst>
+          </a:prstGeom>
+          <a:ln w="50800">
+            <a:solidFill>
+              <a:schemeClr val="tx1"/>
+            </a:solidFill>
+            <a:tailEnd type="triangle"/>
+          </a:ln>
+        </p:spPr>
+        <p:style>
+          <a:lnRef idx="1">
+            <a:schemeClr val="accent1"/>
+          </a:lnRef>
+          <a:fillRef idx="0">
+            <a:schemeClr val="accent1"/>
+          </a:fillRef>
+          <a:effectRef idx="0">
+            <a:schemeClr val="accent1"/>
+          </a:effectRef>
+          <a:fontRef idx="minor">
+            <a:schemeClr val="tx1"/>
+          </a:fontRef>
+        </p:style>
+      </p:cxnSp>
+      <p:cxnSp>
+        <p:nvCxnSpPr>
+          <p:cNvPr id="42" name="Connector: Elbow 41">
+            <a:extLst>
+              <a:ext uri="{FF2B5EF4-FFF2-40B4-BE49-F238E27FC236}">
+                <a16:creationId xmlns:a16="http://schemas.microsoft.com/office/drawing/2014/main" id="{DBAA563A-DEA8-2160-FDB5-B6878DE2FD44}"/>
+              </a:ext>
+            </a:extLst>
+          </p:cNvPr>
+          <p:cNvCxnSpPr>
+            <a:cxnSpLocks/>
+          </p:cNvCxnSpPr>
+          <p:nvPr/>
+        </p:nvCxnSpPr>
+        <p:spPr>
+          <a:xfrm flipV="1">
+            <a:off x="4968031" y="3317709"/>
+            <a:ext cx="2545776" cy="553008"/>
+          </a:xfrm>
+          <a:prstGeom prst="bentConnector3">
+            <a:avLst>
+              <a:gd name="adj1" fmla="val 50000"/>
+            </a:avLst>
+          </a:prstGeom>
+          <a:ln w="50800">
+            <a:solidFill>
+              <a:schemeClr val="tx1"/>
+            </a:solidFill>
+            <a:tailEnd type="triangle"/>
+          </a:ln>
+        </p:spPr>
+        <p:style>
+          <a:lnRef idx="1">
+            <a:schemeClr val="accent1"/>
+          </a:lnRef>
+          <a:fillRef idx="0">
+            <a:schemeClr val="accent1"/>
+          </a:fillRef>
+          <a:effectRef idx="0">
+            <a:schemeClr val="accent1"/>
+          </a:effectRef>
+          <a:fontRef idx="minor">
+            <a:schemeClr val="tx1"/>
+          </a:fontRef>
+        </p:style>
+      </p:cxnSp>
+      <p:cxnSp>
+        <p:nvCxnSpPr>
+          <p:cNvPr id="50" name="Connector: Elbow 49">
+            <a:extLst>
+              <a:ext uri="{FF2B5EF4-FFF2-40B4-BE49-F238E27FC236}">
+                <a16:creationId xmlns:a16="http://schemas.microsoft.com/office/drawing/2014/main" id="{95CBF3BA-B1BA-8936-19CE-57FB97F247C7}"/>
+              </a:ext>
+            </a:extLst>
+          </p:cNvPr>
+          <p:cNvCxnSpPr>
+            <a:cxnSpLocks/>
+            <a:stCxn id="11" idx="3"/>
+            <a:endCxn id="8" idx="1"/>
+          </p:cNvCxnSpPr>
+          <p:nvPr/>
+        </p:nvCxnSpPr>
+        <p:spPr>
+          <a:xfrm>
+            <a:off x="4971495" y="3870717"/>
+            <a:ext cx="2543223" cy="1683114"/>
+          </a:xfrm>
+          <a:prstGeom prst="bentConnector3">
+            <a:avLst>
+              <a:gd name="adj1" fmla="val 50000"/>
+            </a:avLst>
+          </a:prstGeom>
+          <a:ln w="50800">
+            <a:solidFill>
+              <a:schemeClr val="tx1"/>
+            </a:solidFill>
+            <a:headEnd type="triangle"/>
+            <a:tailEnd type="triangle"/>
+          </a:ln>
+        </p:spPr>
+        <p:style>
+          <a:lnRef idx="1">
+            <a:schemeClr val="accent1"/>
+          </a:lnRef>
+          <a:fillRef idx="0">
+            <a:schemeClr val="accent1"/>
+          </a:fillRef>
+          <a:effectRef idx="0">
+            <a:schemeClr val="accent1"/>
+          </a:effectRef>
+          <a:fontRef idx="minor">
+            <a:schemeClr val="tx1"/>
+          </a:fontRef>
+        </p:style>
+      </p:cxnSp>
+      <p:pic>
+        <p:nvPicPr>
+          <p:cNvPr id="38" name="Picture 37">
+            <a:extLst>
+              <a:ext uri="{FF2B5EF4-FFF2-40B4-BE49-F238E27FC236}">
+                <a16:creationId xmlns:a16="http://schemas.microsoft.com/office/drawing/2014/main" id="{1A99D03E-A89F-2A2E-63A9-1442C464E757}"/>
+              </a:ext>
+            </a:extLst>
+          </p:cNvPr>
+          <p:cNvPicPr>
+            <a:picLocks noChangeAspect="1"/>
+          </p:cNvPicPr>
+          <p:nvPr/>
+        </p:nvPicPr>
+        <p:blipFill>
+          <a:blip r:embed="rId6"/>
+          <a:stretch>
+            <a:fillRect/>
+          </a:stretch>
+        </p:blipFill>
+        <p:spPr>
+          <a:xfrm>
+            <a:off x="5564803" y="4258684"/>
+            <a:ext cx="1348664" cy="323679"/>
+          </a:xfrm>
+          <a:prstGeom prst="rect">
+            <a:avLst/>
+          </a:prstGeom>
+          <a:solidFill>
+            <a:schemeClr val="bg1"/>
+          </a:solidFill>
+        </p:spPr>
+      </p:pic>
+      <p:pic>
+        <p:nvPicPr>
+          <p:cNvPr id="74" name="Picture 2" descr="Amazon.com: HiLetgo ESP-WROOM-32 ESP32 ESP-32S Development Board 2.4GHz  Dual-Mode WiFi + Bluetooth Dual Cores Microcontroller Processor Integrated  with Antenna RF AMP Filter AP STA for Arduino IDE : Electronics">
+            <a:extLst>
+              <a:ext uri="{FF2B5EF4-FFF2-40B4-BE49-F238E27FC236}">
+                <a16:creationId xmlns:a16="http://schemas.microsoft.com/office/drawing/2014/main" id="{9454F9AA-F038-A46D-3D0D-1C1C9A566793}"/>
+              </a:ext>
+            </a:extLst>
+          </p:cNvPr>
+          <p:cNvPicPr>
+            <a:picLocks noChangeAspect="1" noChangeArrowheads="1"/>
+          </p:cNvPicPr>
+          <p:nvPr/>
+        </p:nvPicPr>
+        <p:blipFill>
+          <a:blip r:embed="rId7">
+            <a:extLst>
+              <a:ext uri="{28A0092B-C50C-407E-A947-70E740481C1C}">
+                <a14:useLocalDpi xmlns:a14="http://schemas.microsoft.com/office/drawing/2010/main" val="0"/>
+              </a:ext>
+            </a:extLst>
+          </a:blip>
+          <a:srcRect/>
+          <a:stretch>
+            <a:fillRect/>
+          </a:stretch>
+        </p:blipFill>
+        <p:spPr bwMode="auto">
+          <a:xfrm>
+            <a:off x="7752134" y="2701248"/>
+            <a:ext cx="1877134" cy="1771495"/>
+          </a:xfrm>
+          <a:prstGeom prst="rect">
+            <a:avLst/>
+          </a:prstGeom>
+          <a:noFill/>
+          <a:extLst>
+            <a:ext uri="{909E8E84-426E-40DD-AFC4-6F175D3DCCD1}">
+              <a14:hiddenFill xmlns:a14="http://schemas.microsoft.com/office/drawing/2010/main">
+                <a:solidFill>
+                  <a:srgbClr val="FFFFFF"/>
+                </a:solidFill>
+              </a14:hiddenFill>
+            </a:ext>
+          </a:extLst>
+        </p:spPr>
+      </p:pic>
+      <p:sp>
+        <p:nvSpPr>
+          <p:cNvPr id="1031" name="TextBox 1030">
+            <a:extLst>
+              <a:ext uri="{FF2B5EF4-FFF2-40B4-BE49-F238E27FC236}">
+                <a16:creationId xmlns:a16="http://schemas.microsoft.com/office/drawing/2014/main" id="{276779B6-BF97-C297-C233-55892D820CD3}"/>
+              </a:ext>
+            </a:extLst>
+          </p:cNvPr>
+          <p:cNvSpPr txBox="1"/>
+          <p:nvPr/>
+        </p:nvSpPr>
+        <p:spPr>
+          <a:xfrm>
+            <a:off x="7470646" y="2344784"/>
+            <a:ext cx="2440110" cy="253916"/>
+          </a:xfrm>
+          <a:prstGeom prst="rect">
+            <a:avLst/>
+          </a:prstGeom>
+          <a:noFill/>
+        </p:spPr>
+        <p:txBody>
+          <a:bodyPr wrap="square" rtlCol="0">
+            <a:spAutoFit/>
+          </a:bodyPr>
+          <a:lstStyle/>
+          <a:p>
+            <a:pPr algn="ctr"/>
+            <a:r>
+              <a:rPr lang="en-US" sz="1050" dirty="0"/>
+              <a:t>ESP32 or ESP8266 Serial to Wi-Fi Bridge </a:t>
+            </a:r>
+          </a:p>
+        </p:txBody>
+      </p:sp>
+      <p:sp>
+        <p:nvSpPr>
+          <p:cNvPr id="76" name="TextBox 75">
+            <a:extLst>
+              <a:ext uri="{FF2B5EF4-FFF2-40B4-BE49-F238E27FC236}">
+                <a16:creationId xmlns:a16="http://schemas.microsoft.com/office/drawing/2014/main" id="{2AB410B7-F524-2E7D-C983-7BFCAB1C8079}"/>
+              </a:ext>
+            </a:extLst>
+          </p:cNvPr>
+          <p:cNvSpPr txBox="1"/>
+          <p:nvPr/>
+        </p:nvSpPr>
+        <p:spPr>
+          <a:xfrm>
+            <a:off x="7298649" y="179324"/>
+            <a:ext cx="2440110" cy="253916"/>
+          </a:xfrm>
+          <a:prstGeom prst="rect">
+            <a:avLst/>
+          </a:prstGeom>
+          <a:noFill/>
+        </p:spPr>
+        <p:txBody>
+          <a:bodyPr wrap="square" rtlCol="0">
+            <a:spAutoFit/>
+          </a:bodyPr>
+          <a:lstStyle/>
+          <a:p>
+            <a:pPr algn="ctr"/>
+            <a:r>
+              <a:rPr lang="en-US" sz="1050" dirty="0"/>
+              <a:t>QGroundControl GCS</a:t>
+            </a:r>
+          </a:p>
+        </p:txBody>
+      </p:sp>
+      <p:sp>
+        <p:nvSpPr>
+          <p:cNvPr id="77" name="TextBox 76">
+            <a:extLst>
+              <a:ext uri="{FF2B5EF4-FFF2-40B4-BE49-F238E27FC236}">
+                <a16:creationId xmlns:a16="http://schemas.microsoft.com/office/drawing/2014/main" id="{0F5D30B6-F960-3093-389C-DBC1ECA0E123}"/>
+              </a:ext>
+            </a:extLst>
+          </p:cNvPr>
+          <p:cNvSpPr txBox="1"/>
+          <p:nvPr/>
+        </p:nvSpPr>
+        <p:spPr>
+          <a:xfrm>
+            <a:off x="7142911" y="4570930"/>
+            <a:ext cx="2858164" cy="253916"/>
+          </a:xfrm>
+          <a:prstGeom prst="rect">
+            <a:avLst/>
+          </a:prstGeom>
+          <a:solidFill>
+            <a:schemeClr val="bg1"/>
+          </a:solidFill>
+        </p:spPr>
+        <p:txBody>
+          <a:bodyPr wrap="square" rtlCol="0">
+            <a:spAutoFit/>
+          </a:bodyPr>
+          <a:lstStyle/>
+          <a:p>
+            <a:pPr algn="ctr"/>
+            <a:r>
+              <a:rPr lang="en-US" sz="1050" dirty="0"/>
+              <a:t>KK 2.1.5 with Arduino as MAVLink Input Device</a:t>
+            </a:r>
+          </a:p>
+        </p:txBody>
+      </p:sp>
+      <p:sp>
+        <p:nvSpPr>
+          <p:cNvPr id="79" name="TextBox 78">
+            <a:extLst>
+              <a:ext uri="{FF2B5EF4-FFF2-40B4-BE49-F238E27FC236}">
+                <a16:creationId xmlns:a16="http://schemas.microsoft.com/office/drawing/2014/main" id="{49D1687D-5061-9793-CA6E-11AA41A24102}"/>
+              </a:ext>
+            </a:extLst>
+          </p:cNvPr>
+          <p:cNvSpPr txBox="1"/>
+          <p:nvPr/>
+        </p:nvSpPr>
+        <p:spPr>
+          <a:xfrm>
+            <a:off x="577121" y="2598700"/>
+            <a:ext cx="4383880" cy="830300"/>
+          </a:xfrm>
+          <a:prstGeom prst="rect">
+            <a:avLst/>
+          </a:prstGeom>
+        </p:spPr>
+        <p:style>
+          <a:lnRef idx="2">
+            <a:schemeClr val="accent1">
+              <a:shade val="50000"/>
+            </a:schemeClr>
+          </a:lnRef>
+          <a:fillRef idx="1">
+            <a:schemeClr val="accent1"/>
+          </a:fillRef>
+          <a:effectRef idx="0">
+            <a:schemeClr val="accent1"/>
+          </a:effectRef>
+          <a:fontRef idx="minor">
+            <a:schemeClr val="lt1"/>
+          </a:fontRef>
+        </p:style>
+        <p:txBody>
+          <a:bodyPr wrap="square" rtlCol="0" anchor="ctr" anchorCtr="0">
+            <a:noAutofit/>
+          </a:bodyPr>
+          <a:lstStyle/>
+          <a:p>
+            <a:pPr algn="ctr"/>
+            <a:r>
+              <a:rPr lang="en-US" dirty="0">
+                <a:solidFill>
+                  <a:schemeClr val="bg1"/>
+                </a:solidFill>
+              </a:rPr>
+              <a:t>Flight Controller App</a:t>
+            </a:r>
+          </a:p>
+        </p:txBody>
+      </p:sp>
+      <p:sp>
+        <p:nvSpPr>
+          <p:cNvPr id="82" name="TextBox 81">
+            <a:extLst>
+              <a:ext uri="{FF2B5EF4-FFF2-40B4-BE49-F238E27FC236}">
+                <a16:creationId xmlns:a16="http://schemas.microsoft.com/office/drawing/2014/main" id="{4F5F8595-866B-A91E-C47E-9C837E805782}"/>
+              </a:ext>
+            </a:extLst>
+          </p:cNvPr>
+          <p:cNvSpPr txBox="1"/>
+          <p:nvPr/>
+        </p:nvSpPr>
+        <p:spPr>
+          <a:xfrm>
+            <a:off x="564468" y="3768946"/>
+            <a:ext cx="4404473" cy="369332"/>
+          </a:xfrm>
+          <a:prstGeom prst="rect">
+            <a:avLst/>
+          </a:prstGeom>
+          <a:noFill/>
+          <a:ln>
+            <a:noFill/>
+          </a:ln>
+        </p:spPr>
+        <p:style>
+          <a:lnRef idx="3">
+            <a:schemeClr val="lt1"/>
+          </a:lnRef>
+          <a:fillRef idx="1">
+            <a:schemeClr val="accent6"/>
+          </a:fillRef>
+          <a:effectRef idx="1">
+            <a:schemeClr val="accent6"/>
+          </a:effectRef>
+          <a:fontRef idx="minor">
+            <a:schemeClr val="lt1"/>
+          </a:fontRef>
+        </p:style>
+        <p:txBody>
+          <a:bodyPr wrap="square" rtlCol="0" anchor="ctr" anchorCtr="0">
+            <a:noAutofit/>
+          </a:bodyPr>
+          <a:lstStyle/>
+          <a:p>
+            <a:pPr algn="ctr"/>
+            <a:r>
+              <a:rPr lang="en-US" dirty="0">
+                <a:solidFill>
+                  <a:schemeClr val="bg1"/>
+                </a:solidFill>
+              </a:rPr>
+              <a:t>UAVWare</a:t>
+            </a:r>
+          </a:p>
+        </p:txBody>
+      </p:sp>
+      <p:sp>
+        <p:nvSpPr>
+          <p:cNvPr id="90" name="TextBox 89">
+            <a:extLst>
+              <a:ext uri="{FF2B5EF4-FFF2-40B4-BE49-F238E27FC236}">
+                <a16:creationId xmlns:a16="http://schemas.microsoft.com/office/drawing/2014/main" id="{ACDC990D-6379-64BE-B1C1-28035CDB81C2}"/>
+              </a:ext>
+            </a:extLst>
+          </p:cNvPr>
+          <p:cNvSpPr txBox="1"/>
+          <p:nvPr/>
+        </p:nvSpPr>
+        <p:spPr>
+          <a:xfrm>
+            <a:off x="566390" y="4775925"/>
+            <a:ext cx="4404473" cy="1528202"/>
+          </a:xfrm>
+          <a:prstGeom prst="rect">
+            <a:avLst/>
+          </a:prstGeom>
+        </p:spPr>
+        <p:style>
+          <a:lnRef idx="1">
+            <a:schemeClr val="accent4"/>
+          </a:lnRef>
+          <a:fillRef idx="3">
+            <a:schemeClr val="accent4"/>
+          </a:fillRef>
+          <a:effectRef idx="2">
+            <a:schemeClr val="accent4"/>
+          </a:effectRef>
+          <a:fontRef idx="minor">
+            <a:schemeClr val="lt1"/>
+          </a:fontRef>
+        </p:style>
+        <p:txBody>
+          <a:bodyPr wrap="square" rtlCol="0" anchor="ctr" anchorCtr="0">
+            <a:noAutofit/>
+          </a:bodyPr>
+          <a:lstStyle/>
+          <a:p>
+            <a:pPr algn="ctr"/>
+            <a:endParaRPr lang="en-US" dirty="0">
+              <a:solidFill>
+                <a:schemeClr val="bg1"/>
+              </a:solidFill>
+            </a:endParaRPr>
+          </a:p>
+        </p:txBody>
+      </p:sp>
+      <p:sp>
+        <p:nvSpPr>
+          <p:cNvPr id="91" name="TextBox 90">
+            <a:extLst>
+              <a:ext uri="{FF2B5EF4-FFF2-40B4-BE49-F238E27FC236}">
+                <a16:creationId xmlns:a16="http://schemas.microsoft.com/office/drawing/2014/main" id="{4991B097-8818-6860-788B-A51B80D1B171}"/>
+              </a:ext>
+            </a:extLst>
+          </p:cNvPr>
+          <p:cNvSpPr txBox="1"/>
+          <p:nvPr/>
+        </p:nvSpPr>
+        <p:spPr>
+          <a:xfrm>
+            <a:off x="565406" y="4410877"/>
+            <a:ext cx="4404473" cy="362382"/>
+          </a:xfrm>
+          <a:prstGeom prst="rect">
+            <a:avLst/>
+          </a:prstGeom>
+        </p:spPr>
+        <p:style>
+          <a:lnRef idx="1">
+            <a:schemeClr val="accent2"/>
+          </a:lnRef>
+          <a:fillRef idx="3">
+            <a:schemeClr val="accent2"/>
+          </a:fillRef>
+          <a:effectRef idx="2">
+            <a:schemeClr val="accent2"/>
+          </a:effectRef>
+          <a:fontRef idx="minor">
+            <a:schemeClr val="lt1"/>
+          </a:fontRef>
+        </p:style>
+        <p:txBody>
+          <a:bodyPr wrap="square" rtlCol="0" anchor="ctr" anchorCtr="0">
+            <a:noAutofit/>
+          </a:bodyPr>
+          <a:lstStyle/>
+          <a:p>
+            <a:pPr algn="ctr"/>
+            <a:endParaRPr lang="en-US" dirty="0">
+              <a:solidFill>
+                <a:schemeClr val="bg1"/>
+              </a:solidFill>
+            </a:endParaRPr>
+          </a:p>
+        </p:txBody>
+      </p:sp>
+      <p:pic>
+        <p:nvPicPr>
+          <p:cNvPr id="5" name="Picture 4">
+            <a:extLst>
+              <a:ext uri="{FF2B5EF4-FFF2-40B4-BE49-F238E27FC236}">
+                <a16:creationId xmlns:a16="http://schemas.microsoft.com/office/drawing/2014/main" id="{313EB69A-93FD-AE80-06D2-F4B29AF3B159}"/>
+              </a:ext>
+            </a:extLst>
+          </p:cNvPr>
+          <p:cNvPicPr>
+            <a:picLocks noChangeAspect="1"/>
+          </p:cNvPicPr>
+          <p:nvPr/>
+        </p:nvPicPr>
+        <p:blipFill rotWithShape="1">
+          <a:blip r:embed="rId8"/>
+          <a:srcRect t="3419" b="5194"/>
+          <a:stretch/>
+        </p:blipFill>
+        <p:spPr>
+          <a:xfrm>
+            <a:off x="1107658" y="4922492"/>
+            <a:ext cx="1355333" cy="1238611"/>
+          </a:xfrm>
+          <a:prstGeom prst="rect">
+            <a:avLst/>
+          </a:prstGeom>
+        </p:spPr>
+      </p:pic>
+      <p:pic>
+        <p:nvPicPr>
+          <p:cNvPr id="6" name="Picture 5">
+            <a:extLst>
+              <a:ext uri="{FF2B5EF4-FFF2-40B4-BE49-F238E27FC236}">
+                <a16:creationId xmlns:a16="http://schemas.microsoft.com/office/drawing/2014/main" id="{609356DF-6187-3DB2-A7BD-C56DA2540352}"/>
+              </a:ext>
+            </a:extLst>
+          </p:cNvPr>
+          <p:cNvPicPr>
+            <a:picLocks noChangeAspect="1"/>
+          </p:cNvPicPr>
+          <p:nvPr/>
+        </p:nvPicPr>
+        <p:blipFill>
+          <a:blip r:embed="rId9"/>
+          <a:stretch>
+            <a:fillRect/>
+          </a:stretch>
+        </p:blipFill>
+        <p:spPr>
+          <a:xfrm>
+            <a:off x="2856945" y="4936859"/>
+            <a:ext cx="1535030" cy="1238611"/>
+          </a:xfrm>
+          <a:prstGeom prst="rect">
+            <a:avLst/>
+          </a:prstGeom>
+        </p:spPr>
+      </p:pic>
+    </p:spTree>
+    <p:extLst>
+      <p:ext uri="{BB962C8B-B14F-4D97-AF65-F5344CB8AC3E}">
+        <p14:creationId xmlns:p14="http://schemas.microsoft.com/office/powerpoint/2010/main" val="1410138048"/>
       </p:ext>
     </p:extLst>
   </p:cSld>

--- a/docs/Arch.pptx
+++ b/docs/Arch.pptx
@@ -497,7 +497,7 @@
           <a:p>
             <a:fld id="{B3E19B58-7A25-42CD-994B-C82EEADC5E6C}" type="datetimeFigureOut">
               <a:rPr lang="en-US" smtClean="0"/>
-              <a:t>5/22/2022</a:t>
+              <a:t>5/25/2022</a:t>
             </a:fld>
             <a:endParaRPr lang="en-US"/>
           </a:p>
@@ -695,7 +695,7 @@
           <a:p>
             <a:fld id="{B3E19B58-7A25-42CD-994B-C82EEADC5E6C}" type="datetimeFigureOut">
               <a:rPr lang="en-US" smtClean="0"/>
-              <a:t>5/22/2022</a:t>
+              <a:t>5/25/2022</a:t>
             </a:fld>
             <a:endParaRPr lang="en-US"/>
           </a:p>
@@ -903,7 +903,7 @@
           <a:p>
             <a:fld id="{B3E19B58-7A25-42CD-994B-C82EEADC5E6C}" type="datetimeFigureOut">
               <a:rPr lang="en-US" smtClean="0"/>
-              <a:t>5/22/2022</a:t>
+              <a:t>5/25/2022</a:t>
             </a:fld>
             <a:endParaRPr lang="en-US"/>
           </a:p>
@@ -1101,7 +1101,7 @@
           <a:p>
             <a:fld id="{B3E19B58-7A25-42CD-994B-C82EEADC5E6C}" type="datetimeFigureOut">
               <a:rPr lang="en-US" smtClean="0"/>
-              <a:t>5/22/2022</a:t>
+              <a:t>5/25/2022</a:t>
             </a:fld>
             <a:endParaRPr lang="en-US"/>
           </a:p>
@@ -1376,7 +1376,7 @@
           <a:p>
             <a:fld id="{B3E19B58-7A25-42CD-994B-C82EEADC5E6C}" type="datetimeFigureOut">
               <a:rPr lang="en-US" smtClean="0"/>
-              <a:t>5/22/2022</a:t>
+              <a:t>5/25/2022</a:t>
             </a:fld>
             <a:endParaRPr lang="en-US"/>
           </a:p>
@@ -1641,7 +1641,7 @@
           <a:p>
             <a:fld id="{B3E19B58-7A25-42CD-994B-C82EEADC5E6C}" type="datetimeFigureOut">
               <a:rPr lang="en-US" smtClean="0"/>
-              <a:t>5/22/2022</a:t>
+              <a:t>5/25/2022</a:t>
             </a:fld>
             <a:endParaRPr lang="en-US"/>
           </a:p>
@@ -2053,7 +2053,7 @@
           <a:p>
             <a:fld id="{B3E19B58-7A25-42CD-994B-C82EEADC5E6C}" type="datetimeFigureOut">
               <a:rPr lang="en-US" smtClean="0"/>
-              <a:t>5/22/2022</a:t>
+              <a:t>5/25/2022</a:t>
             </a:fld>
             <a:endParaRPr lang="en-US"/>
           </a:p>
@@ -2194,7 +2194,7 @@
           <a:p>
             <a:fld id="{B3E19B58-7A25-42CD-994B-C82EEADC5E6C}" type="datetimeFigureOut">
               <a:rPr lang="en-US" smtClean="0"/>
-              <a:t>5/22/2022</a:t>
+              <a:t>5/25/2022</a:t>
             </a:fld>
             <a:endParaRPr lang="en-US"/>
           </a:p>
@@ -2307,7 +2307,7 @@
           <a:p>
             <a:fld id="{B3E19B58-7A25-42CD-994B-C82EEADC5E6C}" type="datetimeFigureOut">
               <a:rPr lang="en-US" smtClean="0"/>
-              <a:t>5/22/2022</a:t>
+              <a:t>5/25/2022</a:t>
             </a:fld>
             <a:endParaRPr lang="en-US"/>
           </a:p>
@@ -2618,7 +2618,7 @@
           <a:p>
             <a:fld id="{B3E19B58-7A25-42CD-994B-C82EEADC5E6C}" type="datetimeFigureOut">
               <a:rPr lang="en-US" smtClean="0"/>
-              <a:t>5/22/2022</a:t>
+              <a:t>5/25/2022</a:t>
             </a:fld>
             <a:endParaRPr lang="en-US"/>
           </a:p>
@@ -2906,7 +2906,7 @@
           <a:p>
             <a:fld id="{B3E19B58-7A25-42CD-994B-C82EEADC5E6C}" type="datetimeFigureOut">
               <a:rPr lang="en-US" smtClean="0"/>
-              <a:t>5/22/2022</a:t>
+              <a:t>5/25/2022</a:t>
             </a:fld>
             <a:endParaRPr lang="en-US"/>
           </a:p>
@@ -3147,7 +3147,7 @@
           <a:p>
             <a:fld id="{B3E19B58-7A25-42CD-994B-C82EEADC5E6C}" type="datetimeFigureOut">
               <a:rPr lang="en-US" smtClean="0"/>
-              <a:t>5/22/2022</a:t>
+              <a:t>5/25/2022</a:t>
             </a:fld>
             <a:endParaRPr lang="en-US"/>
           </a:p>
@@ -3712,8 +3712,8 @@
         </p:nvSpPr>
         <p:spPr>
           <a:xfrm>
-            <a:off x="8556317" y="4568608"/>
-            <a:ext cx="2352675" cy="369332"/>
+            <a:off x="8556317" y="4430109"/>
+            <a:ext cx="2212297" cy="646331"/>
           </a:xfrm>
           <a:prstGeom prst="rect">
             <a:avLst/>
@@ -3728,7 +3728,7 @@
           <a:p>
             <a:r>
               <a:rPr lang="en-US" dirty="0"/>
-              <a:t>Hardware Driver Layer</a:t>
+              <a:t>Hardware Specific Driver Layer</a:t>
             </a:r>
           </a:p>
         </p:txBody>
